--- a/Лекции/ИТиП лек 4.pptx
+++ b/Лекции/ИТиП лек 4.pptx
@@ -247,7 +247,7 @@
             <a:fld id="{AA2F9473-F066-431E-A6E8-1D478C995A6B}" type="datetimeFigureOut">
               <a:rPr lang="en-US" smtClean="0"/>
               <a:pPr/>
-              <a:t>4/23/2025</a:t>
+              <a:t>4/30/2025</a:t>
             </a:fld>
             <a:endParaRPr lang="en-US"/>
           </a:p>
@@ -9992,7 +9992,7 @@
         </p:nvSpPr>
         <p:spPr>
           <a:xfrm>
-            <a:off x="0" y="687143"/>
+            <a:off x="0" y="654356"/>
             <a:ext cx="12192000" cy="646331"/>
           </a:xfrm>
           <a:prstGeom prst="rect">
@@ -10070,7 +10070,7 @@
         </p:nvSpPr>
         <p:spPr>
           <a:xfrm>
-            <a:off x="0" y="1365557"/>
+            <a:off x="0" y="1308713"/>
             <a:ext cx="8842654" cy="5078313"/>
           </a:xfrm>
           <a:prstGeom prst="rect">
@@ -19782,8 +19782,8 @@
         </p:nvSpPr>
         <p:spPr>
           <a:xfrm>
-            <a:off x="131127" y="117693"/>
-            <a:ext cx="11578273" cy="6370975"/>
+            <a:off x="0" y="117693"/>
+            <a:ext cx="12191999" cy="6370975"/>
           </a:xfrm>
           <a:prstGeom prst="rect">
             <a:avLst/>
@@ -19791,7 +19791,7 @@
           <a:noFill/>
         </p:spPr>
         <p:txBody>
-          <a:bodyPr wrap="square">
+          <a:bodyPr wrap="square" lIns="360000" rIns="360000">
             <a:spAutoFit/>
           </a:bodyPr>
           <a:lstStyle/>
@@ -20167,7 +20167,7 @@
               <a:t>:\</a:t>
             </a:r>
             <a:r>
-              <a:rPr lang="ru-RU" sz="2400">
+              <a:rPr lang="ru-RU" sz="2400" dirty="0">
                 <a:solidFill>
                   <a:srgbClr val="800000"/>
                 </a:solidFill>
@@ -20176,7 +20176,7 @@
               <a:t>папка </a:t>
             </a:r>
             <a:r>
-              <a:rPr lang="ru-RU" sz="2400" smtClean="0">
+              <a:rPr lang="ru-RU" sz="2400" dirty="0" smtClean="0">
                 <a:solidFill>
                   <a:srgbClr val="800000"/>
                 </a:solidFill>
@@ -20534,7 +20534,7 @@
         <p:spPr>
           <a:xfrm>
             <a:off x="0" y="0"/>
-            <a:ext cx="12192000" cy="7109639"/>
+            <a:ext cx="12192000" cy="6740307"/>
           </a:xfrm>
           <a:prstGeom prst="rect">
             <a:avLst/>
@@ -20542,7 +20542,7 @@
           <a:noFill/>
         </p:spPr>
         <p:txBody>
-          <a:bodyPr wrap="square">
+          <a:bodyPr wrap="square" lIns="360000" rIns="360000">
             <a:spAutoFit/>
           </a:bodyPr>
           <a:lstStyle/>
@@ -21377,10 +21377,19 @@
                 </a:solidFill>
                 <a:latin typeface="Cascadia Mono" panose="020B0609020000020004" pitchFamily="49" charset="0"/>
               </a:rPr>
-              <a:t>папок"</a:t>
-            </a:r>
-            <a:r>
-              <a:rPr lang="ru-RU" sz="2400" dirty="0">
+              <a:t>папок</a:t>
+            </a:r>
+            <a:r>
+              <a:rPr lang="ru-RU" sz="2400" dirty="0" smtClean="0">
+                <a:solidFill>
+                  <a:srgbClr val="A31515"/>
+                </a:solidFill>
+                <a:latin typeface="Cascadia Mono" panose="020B0609020000020004" pitchFamily="49" charset="0"/>
+              </a:rPr>
+              <a:t>"</a:t>
+            </a:r>
+            <a:r>
+              <a:rPr lang="ru-RU" sz="2400" dirty="0" smtClean="0">
                 <a:solidFill>
                   <a:srgbClr val="000000"/>
                 </a:solidFill>
@@ -21388,10 +21397,11 @@
               </a:rPr>
               <a:t>);</a:t>
             </a:r>
-          </a:p>
-          <a:p>
-            <a:endParaRPr lang="en-US" sz="2400" dirty="0">
-              <a:latin typeface="Bookman Old Style" panose="02050604050505020204" pitchFamily="18" charset="0"/>
+            <a:endParaRPr lang="ru-RU" sz="2400" dirty="0">
+              <a:solidFill>
+                <a:srgbClr val="000000"/>
+              </a:solidFill>
+              <a:latin typeface="Cascadia Mono" panose="020B0609020000020004" pitchFamily="49" charset="0"/>
             </a:endParaRPr>
           </a:p>
         </p:txBody>
@@ -21549,7 +21559,7 @@
           <a:noFill/>
         </p:spPr>
         <p:txBody>
-          <a:bodyPr wrap="square">
+          <a:bodyPr wrap="square" lIns="360000" rIns="360000">
             <a:spAutoFit/>
           </a:bodyPr>
           <a:lstStyle/>
@@ -22930,7 +22940,7 @@
           <a:noFill/>
         </p:spPr>
         <p:txBody>
-          <a:bodyPr wrap="square">
+          <a:bodyPr wrap="square" lIns="360000" rIns="360000">
             <a:spAutoFit/>
           </a:bodyPr>
           <a:lstStyle/>
@@ -23087,13 +23097,120 @@
               <a:t>ReadLine</a:t>
             </a:r>
             <a:r>
-              <a:rPr lang="en-US" sz="2400" dirty="0">
+              <a:rPr lang="en-US" sz="2400" dirty="0" smtClean="0">
                 <a:solidFill>
                   <a:srgbClr val="222222"/>
                 </a:solidFill>
                 <a:latin typeface="Consolas" panose="020B0609020204030204" pitchFamily="49" charset="0"/>
               </a:rPr>
               <a:t>();</a:t>
+            </a:r>
+            <a:r>
+              <a:rPr lang="en-US" sz="2400" dirty="0">
+                <a:solidFill>
+                  <a:srgbClr val="000000"/>
+                </a:solidFill>
+                <a:latin typeface="Consolas" panose="020B0609020204030204" pitchFamily="49" charset="0"/>
+              </a:rPr>
+              <a:t/>
+            </a:r>
+            <a:br>
+              <a:rPr lang="en-US" sz="2400" dirty="0">
+                <a:solidFill>
+                  <a:srgbClr val="000000"/>
+                </a:solidFill>
+                <a:latin typeface="Consolas" panose="020B0609020204030204" pitchFamily="49" charset="0"/>
+              </a:rPr>
+            </a:br>
+            <a:r>
+              <a:rPr lang="en-US" sz="2400" dirty="0">
+                <a:solidFill>
+                  <a:srgbClr val="AF00DB"/>
+                </a:solidFill>
+                <a:latin typeface="Consolas" panose="020B0609020204030204" pitchFamily="49" charset="0"/>
+              </a:rPr>
+              <a:t>if</a:t>
+            </a:r>
+            <a:r>
+              <a:rPr lang="en-US" sz="2400" dirty="0">
+                <a:solidFill>
+                  <a:srgbClr val="000000"/>
+                </a:solidFill>
+                <a:latin typeface="Consolas" panose="020B0609020204030204" pitchFamily="49" charset="0"/>
+              </a:rPr>
+              <a:t> </a:t>
+            </a:r>
+            <a:r>
+              <a:rPr lang="en-US" sz="2400" dirty="0">
+                <a:solidFill>
+                  <a:srgbClr val="222222"/>
+                </a:solidFill>
+                <a:latin typeface="Consolas" panose="020B0609020204030204" pitchFamily="49" charset="0"/>
+              </a:rPr>
+              <a:t>(</a:t>
+            </a:r>
+            <a:r>
+              <a:rPr lang="en-US" sz="2400" dirty="0">
+                <a:solidFill>
+                  <a:srgbClr val="000000"/>
+                </a:solidFill>
+                <a:latin typeface="Consolas" panose="020B0609020204030204" pitchFamily="49" charset="0"/>
+              </a:rPr>
+              <a:t>!</a:t>
+            </a:r>
+            <a:r>
+              <a:rPr lang="en-US" sz="2400" dirty="0" err="1">
+                <a:solidFill>
+                  <a:srgbClr val="001080"/>
+                </a:solidFill>
+                <a:latin typeface="Consolas" panose="020B0609020204030204" pitchFamily="49" charset="0"/>
+              </a:rPr>
+              <a:t>File</a:t>
+            </a:r>
+            <a:r>
+              <a:rPr lang="en-US" sz="2400" dirty="0" err="1">
+                <a:solidFill>
+                  <a:srgbClr val="000000"/>
+                </a:solidFill>
+                <a:latin typeface="Consolas" panose="020B0609020204030204" pitchFamily="49" charset="0"/>
+              </a:rPr>
+              <a:t>.</a:t>
+            </a:r>
+            <a:r>
+              <a:rPr lang="en-US" sz="2400" dirty="0" err="1">
+                <a:solidFill>
+                  <a:srgbClr val="001080"/>
+                </a:solidFill>
+                <a:latin typeface="Consolas" panose="020B0609020204030204" pitchFamily="49" charset="0"/>
+              </a:rPr>
+              <a:t>Exists</a:t>
+            </a:r>
+            <a:r>
+              <a:rPr lang="en-US" sz="2400" dirty="0">
+                <a:solidFill>
+                  <a:srgbClr val="222222"/>
+                </a:solidFill>
+                <a:latin typeface="Consolas" panose="020B0609020204030204" pitchFamily="49" charset="0"/>
+              </a:rPr>
+              <a:t>(</a:t>
+            </a:r>
+            <a:r>
+              <a:rPr lang="en-US" sz="2400" dirty="0" err="1">
+                <a:solidFill>
+                  <a:srgbClr val="001080"/>
+                </a:solidFill>
+                <a:latin typeface="Consolas" panose="020B0609020204030204" pitchFamily="49" charset="0"/>
+              </a:rPr>
+              <a:t>filePath</a:t>
+            </a:r>
+            <a:r>
+              <a:rPr lang="en-US" sz="2400" dirty="0">
+                <a:solidFill>
+                  <a:srgbClr val="222222"/>
+                </a:solidFill>
+                <a:latin typeface="Consolas" panose="020B0609020204030204" pitchFamily="49" charset="0"/>
+              </a:rPr>
+              <a:t>))</a:t>
             </a:r>
             <a:endParaRPr lang="en-US" sz="2400" dirty="0">
               <a:solidFill>
@@ -23106,109 +23223,11 @@
             <a:r>
               <a:rPr lang="en-US" sz="2400" dirty="0">
                 <a:solidFill>
-                  <a:srgbClr val="000000"/>
-                </a:solidFill>
-                <a:latin typeface="Consolas" panose="020B0609020204030204" pitchFamily="49" charset="0"/>
-              </a:rPr>
-              <a:t/>
-            </a:r>
-            <a:br>
-              <a:rPr lang="en-US" sz="2400" dirty="0">
-                <a:solidFill>
-                  <a:srgbClr val="000000"/>
-                </a:solidFill>
-                <a:latin typeface="Consolas" panose="020B0609020204030204" pitchFamily="49" charset="0"/>
-              </a:rPr>
-            </a:br>
-            <a:r>
-              <a:rPr lang="en-US" sz="2400" dirty="0">
-                <a:solidFill>
-                  <a:srgbClr val="AF00DB"/>
-                </a:solidFill>
-                <a:latin typeface="Consolas" panose="020B0609020204030204" pitchFamily="49" charset="0"/>
-              </a:rPr>
-              <a:t>if</a:t>
-            </a:r>
-            <a:r>
-              <a:rPr lang="en-US" sz="2400" dirty="0">
-                <a:solidFill>
-                  <a:srgbClr val="000000"/>
-                </a:solidFill>
-                <a:latin typeface="Consolas" panose="020B0609020204030204" pitchFamily="49" charset="0"/>
-              </a:rPr>
-              <a:t> </a:t>
-            </a:r>
-            <a:r>
-              <a:rPr lang="en-US" sz="2400" dirty="0">
-                <a:solidFill>
                   <a:srgbClr val="222222"/>
                 </a:solidFill>
                 <a:latin typeface="Consolas" panose="020B0609020204030204" pitchFamily="49" charset="0"/>
               </a:rPr>
-              <a:t>(</a:t>
-            </a:r>
-            <a:r>
-              <a:rPr lang="en-US" sz="2400" dirty="0">
-                <a:solidFill>
-                  <a:srgbClr val="000000"/>
-                </a:solidFill>
-                <a:latin typeface="Consolas" panose="020B0609020204030204" pitchFamily="49" charset="0"/>
-              </a:rPr>
-              <a:t>!</a:t>
-            </a:r>
-            <a:r>
-              <a:rPr lang="en-US" sz="2400" dirty="0" err="1">
-                <a:solidFill>
-                  <a:srgbClr val="001080"/>
-                </a:solidFill>
-                <a:latin typeface="Consolas" panose="020B0609020204030204" pitchFamily="49" charset="0"/>
-              </a:rPr>
-              <a:t>File</a:t>
-            </a:r>
-            <a:r>
-              <a:rPr lang="en-US" sz="2400" dirty="0" err="1">
-                <a:solidFill>
-                  <a:srgbClr val="000000"/>
-                </a:solidFill>
-                <a:latin typeface="Consolas" panose="020B0609020204030204" pitchFamily="49" charset="0"/>
-              </a:rPr>
-              <a:t>.</a:t>
-            </a:r>
-            <a:r>
-              <a:rPr lang="en-US" sz="2400" dirty="0" err="1">
-                <a:solidFill>
-                  <a:srgbClr val="001080"/>
-                </a:solidFill>
-                <a:latin typeface="Consolas" panose="020B0609020204030204" pitchFamily="49" charset="0"/>
-              </a:rPr>
-              <a:t>Exists</a:t>
-            </a:r>
-            <a:r>
-              <a:rPr lang="en-US" sz="2400" dirty="0">
-                <a:solidFill>
-                  <a:srgbClr val="222222"/>
-                </a:solidFill>
-                <a:latin typeface="Consolas" panose="020B0609020204030204" pitchFamily="49" charset="0"/>
-              </a:rPr>
-              <a:t>(</a:t>
-            </a:r>
-            <a:r>
-              <a:rPr lang="en-US" sz="2400" dirty="0" err="1">
-                <a:solidFill>
-                  <a:srgbClr val="001080"/>
-                </a:solidFill>
-                <a:latin typeface="Consolas" panose="020B0609020204030204" pitchFamily="49" charset="0"/>
-              </a:rPr>
-              <a:t>filePath</a:t>
-            </a:r>
-            <a:r>
-              <a:rPr lang="en-US" sz="2400" dirty="0">
-                <a:solidFill>
-                  <a:srgbClr val="222222"/>
-                </a:solidFill>
-                <a:latin typeface="Consolas" panose="020B0609020204030204" pitchFamily="49" charset="0"/>
-              </a:rPr>
-              <a:t>))</a:t>
+              <a:t>{</a:t>
             </a:r>
             <a:endParaRPr lang="en-US" sz="2400" dirty="0">
               <a:solidFill>
@@ -23221,11 +23240,109 @@
             <a:r>
               <a:rPr lang="en-US" sz="2400" dirty="0">
                 <a:solidFill>
+                  <a:srgbClr val="000000"/>
+                </a:solidFill>
+                <a:latin typeface="Consolas" panose="020B0609020204030204" pitchFamily="49" charset="0"/>
+              </a:rPr>
+              <a:t>    </a:t>
+            </a:r>
+            <a:r>
+              <a:rPr lang="en-US" sz="2400" dirty="0" err="1">
+                <a:solidFill>
+                  <a:srgbClr val="001080"/>
+                </a:solidFill>
+                <a:latin typeface="Consolas" panose="020B0609020204030204" pitchFamily="49" charset="0"/>
+              </a:rPr>
+              <a:t>Console</a:t>
+            </a:r>
+            <a:r>
+              <a:rPr lang="en-US" sz="2400" dirty="0" err="1">
+                <a:solidFill>
+                  <a:srgbClr val="000000"/>
+                </a:solidFill>
+                <a:latin typeface="Consolas" panose="020B0609020204030204" pitchFamily="49" charset="0"/>
+              </a:rPr>
+              <a:t>.</a:t>
+            </a:r>
+            <a:r>
+              <a:rPr lang="en-US" sz="2400" dirty="0" err="1">
+                <a:solidFill>
+                  <a:srgbClr val="001080"/>
+                </a:solidFill>
+                <a:latin typeface="Consolas" panose="020B0609020204030204" pitchFamily="49" charset="0"/>
+              </a:rPr>
+              <a:t>WriteLine</a:t>
+            </a:r>
+            <a:r>
+              <a:rPr lang="en-US" sz="2400" dirty="0">
+                <a:solidFill>
                   <a:srgbClr val="222222"/>
                 </a:solidFill>
                 <a:latin typeface="Consolas" panose="020B0609020204030204" pitchFamily="49" charset="0"/>
               </a:rPr>
-              <a:t>{</a:t>
+              <a:t>(</a:t>
+            </a:r>
+            <a:r>
+              <a:rPr lang="en-US" sz="2400" dirty="0">
+                <a:solidFill>
+                  <a:srgbClr val="A31515"/>
+                </a:solidFill>
+                <a:latin typeface="Consolas" panose="020B0609020204030204" pitchFamily="49" charset="0"/>
+              </a:rPr>
+              <a:t>"</a:t>
+            </a:r>
+            <a:r>
+              <a:rPr lang="ru-RU" sz="2400" dirty="0">
+                <a:solidFill>
+                  <a:srgbClr val="A31515"/>
+                </a:solidFill>
+                <a:latin typeface="Consolas" panose="020B0609020204030204" pitchFamily="49" charset="0"/>
+              </a:rPr>
+              <a:t>Файл не найден."</a:t>
+            </a:r>
+            <a:r>
+              <a:rPr lang="ru-RU" sz="2400" dirty="0">
+                <a:solidFill>
+                  <a:srgbClr val="222222"/>
+                </a:solidFill>
+                <a:latin typeface="Consolas" panose="020B0609020204030204" pitchFamily="49" charset="0"/>
+              </a:rPr>
+              <a:t>);</a:t>
+            </a:r>
+            <a:endParaRPr lang="ru-RU" sz="2400" dirty="0">
+              <a:solidFill>
+                <a:srgbClr val="000000"/>
+              </a:solidFill>
+              <a:latin typeface="Consolas" panose="020B0609020204030204" pitchFamily="49" charset="0"/>
+            </a:endParaRPr>
+          </a:p>
+          <a:p>
+            <a:r>
+              <a:rPr lang="ru-RU" sz="2400" dirty="0">
+                <a:solidFill>
+                  <a:srgbClr val="000000"/>
+                </a:solidFill>
+                <a:latin typeface="Consolas" panose="020B0609020204030204" pitchFamily="49" charset="0"/>
+              </a:rPr>
+              <a:t>    </a:t>
+            </a:r>
+            <a:r>
+              <a:rPr lang="en-US" sz="2400" dirty="0">
+                <a:solidFill>
+                  <a:srgbClr val="AF00DB"/>
+                </a:solidFill>
+                <a:latin typeface="Consolas" panose="020B0609020204030204" pitchFamily="49" charset="0"/>
+              </a:rPr>
+              <a:t>return</a:t>
+            </a:r>
+            <a:r>
+              <a:rPr lang="en-US" sz="2400" dirty="0">
+                <a:solidFill>
+                  <a:srgbClr val="222222"/>
+                </a:solidFill>
+                <a:latin typeface="Consolas" panose="020B0609020204030204" pitchFamily="49" charset="0"/>
+              </a:rPr>
+              <a:t>;</a:t>
             </a:r>
             <a:endParaRPr lang="en-US" sz="2400" dirty="0">
               <a:solidFill>
@@ -23236,13 +23353,66 @@
           </a:p>
           <a:p>
             <a:r>
-              <a:rPr lang="en-US" sz="2400" dirty="0">
-                <a:solidFill>
-                  <a:srgbClr val="000000"/>
-                </a:solidFill>
-                <a:latin typeface="Consolas" panose="020B0609020204030204" pitchFamily="49" charset="0"/>
-              </a:rPr>
-              <a:t>    </a:t>
+              <a:rPr lang="en-US" sz="2400" dirty="0" smtClean="0">
+                <a:solidFill>
+                  <a:srgbClr val="222222"/>
+                </a:solidFill>
+                <a:latin typeface="Consolas" panose="020B0609020204030204" pitchFamily="49" charset="0"/>
+              </a:rPr>
+              <a:t>}</a:t>
+            </a:r>
+            <a:r>
+              <a:rPr lang="en-US" sz="2400" dirty="0">
+                <a:solidFill>
+                  <a:srgbClr val="000000"/>
+                </a:solidFill>
+                <a:latin typeface="Consolas" panose="020B0609020204030204" pitchFamily="49" charset="0"/>
+              </a:rPr>
+              <a:t/>
+            </a:r>
+            <a:br>
+              <a:rPr lang="en-US" sz="2400" dirty="0">
+                <a:solidFill>
+                  <a:srgbClr val="000000"/>
+                </a:solidFill>
+                <a:latin typeface="Consolas" panose="020B0609020204030204" pitchFamily="49" charset="0"/>
+              </a:rPr>
+            </a:br>
+            <a:r>
+              <a:rPr lang="en-US" sz="2400" dirty="0">
+                <a:solidFill>
+                  <a:srgbClr val="0000FF"/>
+                </a:solidFill>
+                <a:latin typeface="Consolas" panose="020B0609020204030204" pitchFamily="49" charset="0"/>
+              </a:rPr>
+              <a:t>string</a:t>
+            </a:r>
+            <a:r>
+              <a:rPr lang="en-US" sz="2400" dirty="0">
+                <a:solidFill>
+                  <a:srgbClr val="000000"/>
+                </a:solidFill>
+                <a:latin typeface="Consolas" panose="020B0609020204030204" pitchFamily="49" charset="0"/>
+              </a:rPr>
+              <a:t> </a:t>
+            </a:r>
+            <a:r>
+              <a:rPr lang="en-US" sz="2400" dirty="0">
+                <a:solidFill>
+                  <a:srgbClr val="001080"/>
+                </a:solidFill>
+                <a:latin typeface="Consolas" panose="020B0609020204030204" pitchFamily="49" charset="0"/>
+              </a:rPr>
+              <a:t>text</a:t>
+            </a:r>
+            <a:r>
+              <a:rPr lang="en-US" sz="2400" dirty="0">
+                <a:solidFill>
+                  <a:srgbClr val="000000"/>
+                </a:solidFill>
+                <a:latin typeface="Consolas" panose="020B0609020204030204" pitchFamily="49" charset="0"/>
+              </a:rPr>
+              <a:t> = </a:t>
             </a:r>
             <a:r>
               <a:rPr lang="en-US" sz="2400" dirty="0" err="1">
@@ -23251,7 +23421,7 @@
                 </a:solidFill>
                 <a:latin typeface="Consolas" panose="020B0609020204030204" pitchFamily="49" charset="0"/>
               </a:rPr>
-              <a:t>Console</a:t>
+              <a:t>File</a:t>
             </a:r>
             <a:r>
               <a:rPr lang="en-US" sz="2400" dirty="0" err="1">
@@ -23269,7 +23439,7 @@
                 </a:solidFill>
                 <a:latin typeface="Consolas" panose="020B0609020204030204" pitchFamily="49" charset="0"/>
               </a:rPr>
-              <a:t>WriteLine</a:t>
+              <a:t>ReadAllText</a:t>
             </a:r>
             <a:r>
               <a:rPr lang="en-US" sz="2400" dirty="0">
@@ -23281,66 +23451,22 @@
               <a:t>(</a:t>
             </a:r>
             <a:r>
-              <a:rPr lang="en-US" sz="2400" dirty="0">
-                <a:solidFill>
-                  <a:srgbClr val="A31515"/>
-                </a:solidFill>
-                <a:latin typeface="Consolas" panose="020B0609020204030204" pitchFamily="49" charset="0"/>
-              </a:rPr>
-              <a:t>"</a:t>
-            </a:r>
-            <a:r>
-              <a:rPr lang="ru-RU" sz="2400" dirty="0">
-                <a:solidFill>
-                  <a:srgbClr val="A31515"/>
-                </a:solidFill>
-                <a:latin typeface="Consolas" panose="020B0609020204030204" pitchFamily="49" charset="0"/>
-              </a:rPr>
-              <a:t>Файл не найден."</a:t>
-            </a:r>
-            <a:r>
-              <a:rPr lang="ru-RU" sz="2400" dirty="0">
+              <a:rPr lang="en-US" sz="2400" dirty="0" err="1">
+                <a:solidFill>
+                  <a:srgbClr val="001080"/>
+                </a:solidFill>
+                <a:latin typeface="Consolas" panose="020B0609020204030204" pitchFamily="49" charset="0"/>
+              </a:rPr>
+              <a:t>filePath</a:t>
+            </a:r>
+            <a:r>
+              <a:rPr lang="en-US" sz="2400" dirty="0">
                 <a:solidFill>
                   <a:srgbClr val="222222"/>
                 </a:solidFill>
                 <a:latin typeface="Consolas" panose="020B0609020204030204" pitchFamily="49" charset="0"/>
               </a:rPr>
               <a:t>);</a:t>
-            </a:r>
-            <a:endParaRPr lang="ru-RU" sz="2400" dirty="0">
-              <a:solidFill>
-                <a:srgbClr val="000000"/>
-              </a:solidFill>
-              <a:latin typeface="Consolas" panose="020B0609020204030204" pitchFamily="49" charset="0"/>
-            </a:endParaRPr>
-          </a:p>
-          <a:p>
-            <a:r>
-              <a:rPr lang="ru-RU" sz="2400" dirty="0">
-                <a:solidFill>
-                  <a:srgbClr val="000000"/>
-                </a:solidFill>
-                <a:latin typeface="Consolas" panose="020B0609020204030204" pitchFamily="49" charset="0"/>
-              </a:rPr>
-              <a:t>    </a:t>
-            </a:r>
-            <a:r>
-              <a:rPr lang="en-US" sz="2400" dirty="0">
-                <a:solidFill>
-                  <a:srgbClr val="AF00DB"/>
-                </a:solidFill>
-                <a:latin typeface="Consolas" panose="020B0609020204030204" pitchFamily="49" charset="0"/>
-              </a:rPr>
-              <a:t>return</a:t>
-            </a:r>
-            <a:r>
-              <a:rPr lang="en-US" sz="2400" dirty="0">
-                <a:solidFill>
-                  <a:srgbClr val="222222"/>
-                </a:solidFill>
-                <a:latin typeface="Consolas" panose="020B0609020204030204" pitchFamily="49" charset="0"/>
-              </a:rPr>
-              <a:t>;</a:t>
             </a:r>
             <a:endParaRPr lang="en-US" sz="2400" dirty="0">
               <a:solidFill>
@@ -23351,111 +23477,355 @@
           </a:p>
           <a:p>
             <a:r>
+              <a:rPr lang="en-US" sz="2400" dirty="0">
+                <a:solidFill>
+                  <a:srgbClr val="0000FF"/>
+                </a:solidFill>
+                <a:latin typeface="Consolas" panose="020B0609020204030204" pitchFamily="49" charset="0"/>
+              </a:rPr>
+              <a:t>string</a:t>
+            </a:r>
+            <a:r>
+              <a:rPr lang="en-US" sz="2400" dirty="0">
+                <a:solidFill>
+                  <a:srgbClr val="222222"/>
+                </a:solidFill>
+                <a:latin typeface="Consolas" panose="020B0609020204030204" pitchFamily="49" charset="0"/>
+              </a:rPr>
+              <a:t>[]</a:t>
+            </a:r>
+            <a:r>
+              <a:rPr lang="en-US" sz="2400" dirty="0">
+                <a:solidFill>
+                  <a:srgbClr val="000000"/>
+                </a:solidFill>
+                <a:latin typeface="Consolas" panose="020B0609020204030204" pitchFamily="49" charset="0"/>
+              </a:rPr>
+              <a:t> </a:t>
+            </a:r>
+            <a:r>
+              <a:rPr lang="en-US" sz="2400" dirty="0">
+                <a:solidFill>
+                  <a:srgbClr val="001080"/>
+                </a:solidFill>
+                <a:latin typeface="Consolas" panose="020B0609020204030204" pitchFamily="49" charset="0"/>
+              </a:rPr>
+              <a:t>words</a:t>
+            </a:r>
+            <a:r>
+              <a:rPr lang="en-US" sz="2400" dirty="0">
+                <a:solidFill>
+                  <a:srgbClr val="000000"/>
+                </a:solidFill>
+                <a:latin typeface="Consolas" panose="020B0609020204030204" pitchFamily="49" charset="0"/>
+              </a:rPr>
+              <a:t> = </a:t>
+            </a:r>
+            <a:r>
+              <a:rPr lang="en-US" sz="2400" dirty="0" err="1">
+                <a:solidFill>
+                  <a:srgbClr val="001080"/>
+                </a:solidFill>
+                <a:latin typeface="Consolas" panose="020B0609020204030204" pitchFamily="49" charset="0"/>
+              </a:rPr>
+              <a:t>text</a:t>
+            </a:r>
+            <a:r>
+              <a:rPr lang="en-US" sz="2400" dirty="0" err="1">
+                <a:solidFill>
+                  <a:srgbClr val="000000"/>
+                </a:solidFill>
+                <a:latin typeface="Consolas" panose="020B0609020204030204" pitchFamily="49" charset="0"/>
+              </a:rPr>
+              <a:t>.</a:t>
+            </a:r>
+            <a:r>
+              <a:rPr lang="en-US" sz="2400" dirty="0" err="1">
+                <a:solidFill>
+                  <a:srgbClr val="001080"/>
+                </a:solidFill>
+                <a:latin typeface="Consolas" panose="020B0609020204030204" pitchFamily="49" charset="0"/>
+              </a:rPr>
+              <a:t>Split</a:t>
+            </a:r>
+            <a:r>
+              <a:rPr lang="en-US" sz="2400" dirty="0">
+                <a:solidFill>
+                  <a:srgbClr val="222222"/>
+                </a:solidFill>
+                <a:latin typeface="Consolas" panose="020B0609020204030204" pitchFamily="49" charset="0"/>
+              </a:rPr>
+              <a:t>(</a:t>
+            </a:r>
+            <a:r>
+              <a:rPr lang="en-US" sz="2400" dirty="0">
+                <a:solidFill>
+                  <a:srgbClr val="0000FF"/>
+                </a:solidFill>
+                <a:latin typeface="Consolas" panose="020B0609020204030204" pitchFamily="49" charset="0"/>
+              </a:rPr>
+              <a:t>new</a:t>
+            </a:r>
+            <a:r>
+              <a:rPr lang="en-US" sz="2400" dirty="0">
+                <a:solidFill>
+                  <a:srgbClr val="000000"/>
+                </a:solidFill>
+                <a:latin typeface="Consolas" panose="020B0609020204030204" pitchFamily="49" charset="0"/>
+              </a:rPr>
+              <a:t> </a:t>
+            </a:r>
+            <a:r>
+              <a:rPr lang="en-US" sz="2400" dirty="0">
+                <a:solidFill>
+                  <a:srgbClr val="0000FF"/>
+                </a:solidFill>
+                <a:latin typeface="Consolas" panose="020B0609020204030204" pitchFamily="49" charset="0"/>
+              </a:rPr>
+              <a:t>char</a:t>
+            </a:r>
+            <a:r>
+              <a:rPr lang="en-US" sz="2400" dirty="0">
+                <a:solidFill>
+                  <a:srgbClr val="222222"/>
+                </a:solidFill>
+                <a:latin typeface="Consolas" panose="020B0609020204030204" pitchFamily="49" charset="0"/>
+              </a:rPr>
+              <a:t>[]</a:t>
+            </a:r>
+            <a:r>
+              <a:rPr lang="en-US" sz="2400" dirty="0">
+                <a:solidFill>
+                  <a:srgbClr val="000000"/>
+                </a:solidFill>
+                <a:latin typeface="Consolas" panose="020B0609020204030204" pitchFamily="49" charset="0"/>
+              </a:rPr>
+              <a:t> </a:t>
+            </a:r>
+            <a:r>
+              <a:rPr lang="en-US" sz="2400" dirty="0">
+                <a:solidFill>
+                  <a:srgbClr val="222222"/>
+                </a:solidFill>
+                <a:latin typeface="Consolas" panose="020B0609020204030204" pitchFamily="49" charset="0"/>
+              </a:rPr>
+              <a:t>{</a:t>
+            </a:r>
+            <a:r>
+              <a:rPr lang="en-US" sz="2400" dirty="0">
+                <a:solidFill>
+                  <a:srgbClr val="000000"/>
+                </a:solidFill>
+                <a:latin typeface="Consolas" panose="020B0609020204030204" pitchFamily="49" charset="0"/>
+              </a:rPr>
+              <a:t> </a:t>
+            </a:r>
+            <a:r>
+              <a:rPr lang="en-US" sz="2400" dirty="0">
+                <a:solidFill>
+                  <a:srgbClr val="A31515"/>
+                </a:solidFill>
+                <a:latin typeface="Consolas" panose="020B0609020204030204" pitchFamily="49" charset="0"/>
+              </a:rPr>
+              <a:t>' '</a:t>
+            </a:r>
+            <a:r>
+              <a:rPr lang="en-US" sz="2400" dirty="0">
+                <a:solidFill>
+                  <a:srgbClr val="222222"/>
+                </a:solidFill>
+                <a:latin typeface="Consolas" panose="020B0609020204030204" pitchFamily="49" charset="0"/>
+              </a:rPr>
+              <a:t>,</a:t>
+            </a:r>
+            <a:r>
+              <a:rPr lang="en-US" sz="2400" dirty="0">
+                <a:solidFill>
+                  <a:srgbClr val="000000"/>
+                </a:solidFill>
+                <a:latin typeface="Consolas" panose="020B0609020204030204" pitchFamily="49" charset="0"/>
+              </a:rPr>
+              <a:t> </a:t>
+            </a:r>
+            <a:r>
+              <a:rPr lang="en-US" sz="2400" dirty="0">
+                <a:solidFill>
+                  <a:srgbClr val="A31515"/>
+                </a:solidFill>
+                <a:latin typeface="Consolas" panose="020B0609020204030204" pitchFamily="49" charset="0"/>
+              </a:rPr>
+              <a:t>'</a:t>
+            </a:r>
+            <a:r>
+              <a:rPr lang="en-US" sz="2400" dirty="0">
+                <a:solidFill>
+                  <a:srgbClr val="FF0000"/>
+                </a:solidFill>
+                <a:latin typeface="Consolas" panose="020B0609020204030204" pitchFamily="49" charset="0"/>
+              </a:rPr>
+              <a:t>\n</a:t>
+            </a:r>
+            <a:r>
+              <a:rPr lang="en-US" sz="2400" dirty="0">
+                <a:solidFill>
+                  <a:srgbClr val="A31515"/>
+                </a:solidFill>
+                <a:latin typeface="Consolas" panose="020B0609020204030204" pitchFamily="49" charset="0"/>
+              </a:rPr>
+              <a:t>'</a:t>
+            </a:r>
+            <a:r>
+              <a:rPr lang="en-US" sz="2400" dirty="0">
+                <a:solidFill>
+                  <a:srgbClr val="222222"/>
+                </a:solidFill>
+                <a:latin typeface="Consolas" panose="020B0609020204030204" pitchFamily="49" charset="0"/>
+              </a:rPr>
+              <a:t>,</a:t>
+            </a:r>
+            <a:r>
+              <a:rPr lang="en-US" sz="2400" dirty="0">
+                <a:solidFill>
+                  <a:srgbClr val="000000"/>
+                </a:solidFill>
+                <a:latin typeface="Consolas" panose="020B0609020204030204" pitchFamily="49" charset="0"/>
+              </a:rPr>
+              <a:t> </a:t>
+            </a:r>
+            <a:r>
+              <a:rPr lang="en-US" sz="2400" dirty="0">
+                <a:solidFill>
+                  <a:srgbClr val="A31515"/>
+                </a:solidFill>
+                <a:latin typeface="Consolas" panose="020B0609020204030204" pitchFamily="49" charset="0"/>
+              </a:rPr>
+              <a:t>'</a:t>
+            </a:r>
+            <a:r>
+              <a:rPr lang="en-US" sz="2400" dirty="0">
+                <a:solidFill>
+                  <a:srgbClr val="FF0000"/>
+                </a:solidFill>
+                <a:latin typeface="Consolas" panose="020B0609020204030204" pitchFamily="49" charset="0"/>
+              </a:rPr>
+              <a:t>\r</a:t>
+            </a:r>
+            <a:r>
+              <a:rPr lang="en-US" sz="2400" dirty="0">
+                <a:solidFill>
+                  <a:srgbClr val="A31515"/>
+                </a:solidFill>
+                <a:latin typeface="Consolas" panose="020B0609020204030204" pitchFamily="49" charset="0"/>
+              </a:rPr>
+              <a:t>'</a:t>
+            </a:r>
+            <a:r>
+              <a:rPr lang="en-US" sz="2400" dirty="0">
+                <a:solidFill>
+                  <a:srgbClr val="222222"/>
+                </a:solidFill>
+                <a:latin typeface="Consolas" panose="020B0609020204030204" pitchFamily="49" charset="0"/>
+              </a:rPr>
+              <a:t>,</a:t>
+            </a:r>
+            <a:r>
+              <a:rPr lang="en-US" sz="2400" dirty="0">
+                <a:solidFill>
+                  <a:srgbClr val="000000"/>
+                </a:solidFill>
+                <a:latin typeface="Consolas" panose="020B0609020204030204" pitchFamily="49" charset="0"/>
+              </a:rPr>
+              <a:t> </a:t>
+            </a:r>
+            <a:r>
+              <a:rPr lang="en-US" sz="2400" dirty="0">
+                <a:solidFill>
+                  <a:srgbClr val="A31515"/>
+                </a:solidFill>
+                <a:latin typeface="Consolas" panose="020B0609020204030204" pitchFamily="49" charset="0"/>
+              </a:rPr>
+              <a:t>'</a:t>
+            </a:r>
+            <a:r>
+              <a:rPr lang="en-US" sz="2400" dirty="0">
+                <a:solidFill>
+                  <a:srgbClr val="FF0000"/>
+                </a:solidFill>
+                <a:latin typeface="Consolas" panose="020B0609020204030204" pitchFamily="49" charset="0"/>
+              </a:rPr>
+              <a:t>\t</a:t>
+            </a:r>
+            <a:r>
+              <a:rPr lang="en-US" sz="2400" dirty="0">
+                <a:solidFill>
+                  <a:srgbClr val="A31515"/>
+                </a:solidFill>
+                <a:latin typeface="Consolas" panose="020B0609020204030204" pitchFamily="49" charset="0"/>
+              </a:rPr>
+              <a:t>'</a:t>
+            </a:r>
+            <a:r>
+              <a:rPr lang="en-US" sz="2400" dirty="0">
+                <a:solidFill>
+                  <a:srgbClr val="000000"/>
+                </a:solidFill>
+                <a:latin typeface="Consolas" panose="020B0609020204030204" pitchFamily="49" charset="0"/>
+              </a:rPr>
+              <a:t> </a:t>
+            </a:r>
+            <a:r>
+              <a:rPr lang="en-US" sz="2400" dirty="0">
+                <a:solidFill>
+                  <a:srgbClr val="222222"/>
+                </a:solidFill>
+                <a:latin typeface="Consolas" panose="020B0609020204030204" pitchFamily="49" charset="0"/>
+              </a:rPr>
+              <a:t>},</a:t>
+            </a:r>
+            <a:r>
+              <a:rPr lang="en-US" sz="2400" dirty="0">
+                <a:solidFill>
+                  <a:srgbClr val="000000"/>
+                </a:solidFill>
+                <a:latin typeface="Consolas" panose="020B0609020204030204" pitchFamily="49" charset="0"/>
+              </a:rPr>
+              <a:t> </a:t>
+            </a:r>
+            <a:r>
               <a:rPr lang="en-US" sz="2400" dirty="0" smtClean="0">
                 <a:solidFill>
-                  <a:srgbClr val="222222"/>
-                </a:solidFill>
-                <a:latin typeface="Consolas" panose="020B0609020204030204" pitchFamily="49" charset="0"/>
-              </a:rPr>
-              <a:t>}</a:t>
-            </a:r>
-            <a:r>
-              <a:rPr lang="en-US" sz="2400" dirty="0">
-                <a:solidFill>
-                  <a:srgbClr val="000000"/>
-                </a:solidFill>
-                <a:latin typeface="Consolas" panose="020B0609020204030204" pitchFamily="49" charset="0"/>
-              </a:rPr>
-              <a:t/>
-            </a:r>
-            <a:br>
-              <a:rPr lang="en-US" sz="2400" dirty="0">
-                <a:solidFill>
-                  <a:srgbClr val="000000"/>
-                </a:solidFill>
-                <a:latin typeface="Consolas" panose="020B0609020204030204" pitchFamily="49" charset="0"/>
-              </a:rPr>
-            </a:br>
-            <a:r>
-              <a:rPr lang="en-US" sz="2400" dirty="0">
-                <a:solidFill>
-                  <a:srgbClr val="0000FF"/>
-                </a:solidFill>
-                <a:latin typeface="Consolas" panose="020B0609020204030204" pitchFamily="49" charset="0"/>
-              </a:rPr>
-              <a:t>string</a:t>
-            </a:r>
-            <a:r>
-              <a:rPr lang="en-US" sz="2400" dirty="0">
-                <a:solidFill>
-                  <a:srgbClr val="000000"/>
-                </a:solidFill>
-                <a:latin typeface="Consolas" panose="020B0609020204030204" pitchFamily="49" charset="0"/>
-              </a:rPr>
-              <a:t> </a:t>
-            </a:r>
-            <a:r>
-              <a:rPr lang="en-US" sz="2400" dirty="0">
+                  <a:srgbClr val="000000"/>
+                </a:solidFill>
+                <a:latin typeface="Consolas" panose="020B0609020204030204" pitchFamily="49" charset="0"/>
+              </a:rPr>
+              <a:t>												 </a:t>
+            </a:r>
+            <a:r>
+              <a:rPr lang="en-US" sz="2400" dirty="0" err="1" smtClean="0">
                 <a:solidFill>
                   <a:srgbClr val="001080"/>
                 </a:solidFill>
                 <a:latin typeface="Consolas" panose="020B0609020204030204" pitchFamily="49" charset="0"/>
               </a:rPr>
-              <a:t>text</a:t>
-            </a:r>
-            <a:r>
-              <a:rPr lang="en-US" sz="2400" dirty="0">
-                <a:solidFill>
-                  <a:srgbClr val="000000"/>
-                </a:solidFill>
-                <a:latin typeface="Consolas" panose="020B0609020204030204" pitchFamily="49" charset="0"/>
-              </a:rPr>
-              <a:t> = </a:t>
-            </a:r>
-            <a:r>
-              <a:rPr lang="en-US" sz="2400" dirty="0" err="1">
+              <a:t>StringSplitOptions</a:t>
+            </a:r>
+            <a:r>
+              <a:rPr lang="en-US" sz="2400" dirty="0" err="1" smtClean="0">
+                <a:solidFill>
+                  <a:srgbClr val="000000"/>
+                </a:solidFill>
+                <a:latin typeface="Consolas" panose="020B0609020204030204" pitchFamily="49" charset="0"/>
+              </a:rPr>
+              <a:t>.</a:t>
+            </a:r>
+            <a:r>
+              <a:rPr lang="en-US" sz="2400" dirty="0" err="1" smtClean="0">
                 <a:solidFill>
                   <a:srgbClr val="001080"/>
                 </a:solidFill>
                 <a:latin typeface="Consolas" panose="020B0609020204030204" pitchFamily="49" charset="0"/>
               </a:rPr>
-              <a:t>File</a:t>
-            </a:r>
-            <a:r>
-              <a:rPr lang="en-US" sz="2400" dirty="0" err="1">
-                <a:solidFill>
-                  <a:srgbClr val="000000"/>
-                </a:solidFill>
-                <a:latin typeface="Consolas" panose="020B0609020204030204" pitchFamily="49" charset="0"/>
-              </a:rPr>
-              <a:t>.</a:t>
-            </a:r>
-            <a:r>
-              <a:rPr lang="en-US" sz="2400" dirty="0" err="1">
-                <a:solidFill>
-                  <a:srgbClr val="001080"/>
-                </a:solidFill>
-                <a:latin typeface="Consolas" panose="020B0609020204030204" pitchFamily="49" charset="0"/>
-              </a:rPr>
-              <a:t>ReadAllText</a:t>
-            </a:r>
-            <a:r>
-              <a:rPr lang="en-US" sz="2400" dirty="0">
-                <a:solidFill>
-                  <a:srgbClr val="222222"/>
-                </a:solidFill>
-                <a:latin typeface="Consolas" panose="020B0609020204030204" pitchFamily="49" charset="0"/>
-              </a:rPr>
-              <a:t>(</a:t>
-            </a:r>
-            <a:r>
-              <a:rPr lang="en-US" sz="2400" dirty="0" err="1">
-                <a:solidFill>
-                  <a:srgbClr val="001080"/>
-                </a:solidFill>
-                <a:latin typeface="Consolas" panose="020B0609020204030204" pitchFamily="49" charset="0"/>
-              </a:rPr>
-              <a:t>filePath</a:t>
+              <a:t>RemoveEmptyEntries</a:t>
             </a:r>
             <a:r>
               <a:rPr lang="en-US" sz="2400" dirty="0">
@@ -23475,13 +23845,67 @@
           </a:p>
           <a:p>
             <a:r>
-              <a:rPr lang="en-US" sz="2400" dirty="0">
+              <a:rPr lang="en-US" sz="2400" dirty="0" err="1">
                 <a:solidFill>
                   <a:srgbClr val="0000FF"/>
                 </a:solidFill>
                 <a:latin typeface="Consolas" panose="020B0609020204030204" pitchFamily="49" charset="0"/>
               </a:rPr>
-              <a:t>string</a:t>
+              <a:t>int</a:t>
+            </a:r>
+            <a:r>
+              <a:rPr lang="en-US" sz="2400" dirty="0">
+                <a:solidFill>
+                  <a:srgbClr val="000000"/>
+                </a:solidFill>
+                <a:latin typeface="Consolas" panose="020B0609020204030204" pitchFamily="49" charset="0"/>
+              </a:rPr>
+              <a:t> </a:t>
+            </a:r>
+            <a:r>
+              <a:rPr lang="en-US" sz="2400" dirty="0" err="1">
+                <a:solidFill>
+                  <a:srgbClr val="001080"/>
+                </a:solidFill>
+                <a:latin typeface="Consolas" panose="020B0609020204030204" pitchFamily="49" charset="0"/>
+              </a:rPr>
+              <a:t>lineCount</a:t>
+            </a:r>
+            <a:r>
+              <a:rPr lang="en-US" sz="2400" dirty="0">
+                <a:solidFill>
+                  <a:srgbClr val="000000"/>
+                </a:solidFill>
+                <a:latin typeface="Consolas" panose="020B0609020204030204" pitchFamily="49" charset="0"/>
+              </a:rPr>
+              <a:t> = </a:t>
+            </a:r>
+            <a:r>
+              <a:rPr lang="en-US" sz="2400" dirty="0" err="1">
+                <a:solidFill>
+                  <a:srgbClr val="001080"/>
+                </a:solidFill>
+                <a:latin typeface="Consolas" panose="020B0609020204030204" pitchFamily="49" charset="0"/>
+              </a:rPr>
+              <a:t>File</a:t>
+            </a:r>
+            <a:r>
+              <a:rPr lang="en-US" sz="2400" dirty="0" err="1">
+                <a:solidFill>
+                  <a:srgbClr val="000000"/>
+                </a:solidFill>
+                <a:latin typeface="Consolas" panose="020B0609020204030204" pitchFamily="49" charset="0"/>
+              </a:rPr>
+              <a:t>.</a:t>
+            </a:r>
+            <a:r>
+              <a:rPr lang="en-US" sz="2400" dirty="0" err="1">
+                <a:solidFill>
+                  <a:srgbClr val="001080"/>
+                </a:solidFill>
+                <a:latin typeface="Consolas" panose="020B0609020204030204" pitchFamily="49" charset="0"/>
+              </a:rPr>
+              <a:t>ReadAllLines</a:t>
             </a:r>
             <a:r>
               <a:rPr lang="en-US" sz="2400" dirty="0">
@@ -23490,61 +23914,43 @@
                 </a:solidFill>
                 <a:latin typeface="Consolas" panose="020B0609020204030204" pitchFamily="49" charset="0"/>
               </a:rPr>
-              <a:t>[]</a:t>
-            </a:r>
-            <a:r>
-              <a:rPr lang="en-US" sz="2400" dirty="0">
-                <a:solidFill>
-                  <a:srgbClr val="000000"/>
-                </a:solidFill>
-                <a:latin typeface="Consolas" panose="020B0609020204030204" pitchFamily="49" charset="0"/>
-              </a:rPr>
-              <a:t> </a:t>
-            </a:r>
-            <a:r>
-              <a:rPr lang="en-US" sz="2400" dirty="0">
+              <a:t>(</a:t>
+            </a:r>
+            <a:r>
+              <a:rPr lang="en-US" sz="2400" dirty="0" err="1">
                 <a:solidFill>
                   <a:srgbClr val="001080"/>
                 </a:solidFill>
                 <a:latin typeface="Consolas" panose="020B0609020204030204" pitchFamily="49" charset="0"/>
               </a:rPr>
-              <a:t>words</a:t>
-            </a:r>
-            <a:r>
-              <a:rPr lang="en-US" sz="2400" dirty="0">
-                <a:solidFill>
-                  <a:srgbClr val="000000"/>
-                </a:solidFill>
-                <a:latin typeface="Consolas" panose="020B0609020204030204" pitchFamily="49" charset="0"/>
-              </a:rPr>
-              <a:t> = </a:t>
-            </a:r>
-            <a:r>
-              <a:rPr lang="en-US" sz="2400" dirty="0" err="1">
+              <a:t>filePath</a:t>
+            </a:r>
+            <a:r>
+              <a:rPr lang="en-US" sz="2400" dirty="0">
+                <a:solidFill>
+                  <a:srgbClr val="222222"/>
+                </a:solidFill>
+                <a:latin typeface="Consolas" panose="020B0609020204030204" pitchFamily="49" charset="0"/>
+              </a:rPr>
+              <a:t>)</a:t>
+            </a:r>
+            <a:r>
+              <a:rPr lang="en-US" sz="2400" dirty="0">
+                <a:solidFill>
+                  <a:srgbClr val="000000"/>
+                </a:solidFill>
+                <a:latin typeface="Consolas" panose="020B0609020204030204" pitchFamily="49" charset="0"/>
+              </a:rPr>
+              <a:t>.</a:t>
+            </a:r>
+            <a:r>
+              <a:rPr lang="en-US" sz="2400" dirty="0">
                 <a:solidFill>
                   <a:srgbClr val="001080"/>
                 </a:solidFill>
                 <a:latin typeface="Consolas" panose="020B0609020204030204" pitchFamily="49" charset="0"/>
               </a:rPr>
-              <a:t>text</a:t>
-            </a:r>
-            <a:r>
-              <a:rPr lang="en-US" sz="2400" dirty="0" err="1">
-                <a:solidFill>
-                  <a:srgbClr val="000000"/>
-                </a:solidFill>
-                <a:latin typeface="Consolas" panose="020B0609020204030204" pitchFamily="49" charset="0"/>
-              </a:rPr>
-              <a:t>.</a:t>
-            </a:r>
-            <a:r>
-              <a:rPr lang="en-US" sz="2400" dirty="0" err="1">
-                <a:solidFill>
-                  <a:srgbClr val="001080"/>
-                </a:solidFill>
-                <a:latin typeface="Consolas" panose="020B0609020204030204" pitchFamily="49" charset="0"/>
-              </a:rPr>
-              <a:t>Split</a:t>
+              <a:t>Length</a:t>
             </a:r>
             <a:r>
               <a:rPr lang="en-US" sz="2400" dirty="0">
@@ -23553,286 +23959,7 @@
                 </a:solidFill>
                 <a:latin typeface="Consolas" panose="020B0609020204030204" pitchFamily="49" charset="0"/>
               </a:rPr>
-              <a:t>(</a:t>
-            </a:r>
-            <a:r>
-              <a:rPr lang="en-US" sz="2400" dirty="0">
-                <a:solidFill>
-                  <a:srgbClr val="0000FF"/>
-                </a:solidFill>
-                <a:latin typeface="Consolas" panose="020B0609020204030204" pitchFamily="49" charset="0"/>
-              </a:rPr>
-              <a:t>new</a:t>
-            </a:r>
-            <a:r>
-              <a:rPr lang="en-US" sz="2400" dirty="0">
-                <a:solidFill>
-                  <a:srgbClr val="000000"/>
-                </a:solidFill>
-                <a:latin typeface="Consolas" panose="020B0609020204030204" pitchFamily="49" charset="0"/>
-              </a:rPr>
-              <a:t> </a:t>
-            </a:r>
-            <a:r>
-              <a:rPr lang="en-US" sz="2400" dirty="0">
-                <a:solidFill>
-                  <a:srgbClr val="0000FF"/>
-                </a:solidFill>
-                <a:latin typeface="Consolas" panose="020B0609020204030204" pitchFamily="49" charset="0"/>
-              </a:rPr>
-              <a:t>char</a:t>
-            </a:r>
-            <a:r>
-              <a:rPr lang="en-US" sz="2400" dirty="0">
-                <a:solidFill>
-                  <a:srgbClr val="222222"/>
-                </a:solidFill>
-                <a:latin typeface="Consolas" panose="020B0609020204030204" pitchFamily="49" charset="0"/>
-              </a:rPr>
-              <a:t>[]</a:t>
-            </a:r>
-            <a:r>
-              <a:rPr lang="en-US" sz="2400" dirty="0">
-                <a:solidFill>
-                  <a:srgbClr val="000000"/>
-                </a:solidFill>
-                <a:latin typeface="Consolas" panose="020B0609020204030204" pitchFamily="49" charset="0"/>
-              </a:rPr>
-              <a:t> </a:t>
-            </a:r>
-            <a:r>
-              <a:rPr lang="en-US" sz="2400" dirty="0">
-                <a:solidFill>
-                  <a:srgbClr val="222222"/>
-                </a:solidFill>
-                <a:latin typeface="Consolas" panose="020B0609020204030204" pitchFamily="49" charset="0"/>
-              </a:rPr>
-              <a:t>{</a:t>
-            </a:r>
-            <a:r>
-              <a:rPr lang="en-US" sz="2400" dirty="0">
-                <a:solidFill>
-                  <a:srgbClr val="000000"/>
-                </a:solidFill>
-                <a:latin typeface="Consolas" panose="020B0609020204030204" pitchFamily="49" charset="0"/>
-              </a:rPr>
-              <a:t> </a:t>
-            </a:r>
-            <a:r>
-              <a:rPr lang="en-US" sz="2400" dirty="0">
-                <a:solidFill>
-                  <a:srgbClr val="A31515"/>
-                </a:solidFill>
-                <a:latin typeface="Consolas" panose="020B0609020204030204" pitchFamily="49" charset="0"/>
-              </a:rPr>
-              <a:t>' '</a:t>
-            </a:r>
-            <a:r>
-              <a:rPr lang="en-US" sz="2400" dirty="0">
-                <a:solidFill>
-                  <a:srgbClr val="222222"/>
-                </a:solidFill>
-                <a:latin typeface="Consolas" panose="020B0609020204030204" pitchFamily="49" charset="0"/>
-              </a:rPr>
-              <a:t>,</a:t>
-            </a:r>
-            <a:r>
-              <a:rPr lang="en-US" sz="2400" dirty="0">
-                <a:solidFill>
-                  <a:srgbClr val="000000"/>
-                </a:solidFill>
-                <a:latin typeface="Consolas" panose="020B0609020204030204" pitchFamily="49" charset="0"/>
-              </a:rPr>
-              <a:t> </a:t>
-            </a:r>
-            <a:r>
-              <a:rPr lang="en-US" sz="2400" dirty="0">
-                <a:solidFill>
-                  <a:srgbClr val="A31515"/>
-                </a:solidFill>
-                <a:latin typeface="Consolas" panose="020B0609020204030204" pitchFamily="49" charset="0"/>
-              </a:rPr>
-              <a:t>'</a:t>
-            </a:r>
-            <a:r>
-              <a:rPr lang="en-US" sz="2400" dirty="0">
-                <a:solidFill>
-                  <a:srgbClr val="FF0000"/>
-                </a:solidFill>
-                <a:latin typeface="Consolas" panose="020B0609020204030204" pitchFamily="49" charset="0"/>
-              </a:rPr>
-              <a:t>\n</a:t>
-            </a:r>
-            <a:r>
-              <a:rPr lang="en-US" sz="2400" dirty="0">
-                <a:solidFill>
-                  <a:srgbClr val="A31515"/>
-                </a:solidFill>
-                <a:latin typeface="Consolas" panose="020B0609020204030204" pitchFamily="49" charset="0"/>
-              </a:rPr>
-              <a:t>'</a:t>
-            </a:r>
-            <a:r>
-              <a:rPr lang="en-US" sz="2400" dirty="0">
-                <a:solidFill>
-                  <a:srgbClr val="222222"/>
-                </a:solidFill>
-                <a:latin typeface="Consolas" panose="020B0609020204030204" pitchFamily="49" charset="0"/>
-              </a:rPr>
-              <a:t>,</a:t>
-            </a:r>
-            <a:r>
-              <a:rPr lang="en-US" sz="2400" dirty="0">
-                <a:solidFill>
-                  <a:srgbClr val="000000"/>
-                </a:solidFill>
-                <a:latin typeface="Consolas" panose="020B0609020204030204" pitchFamily="49" charset="0"/>
-              </a:rPr>
-              <a:t> </a:t>
-            </a:r>
-            <a:r>
-              <a:rPr lang="en-US" sz="2400" dirty="0">
-                <a:solidFill>
-                  <a:srgbClr val="A31515"/>
-                </a:solidFill>
-                <a:latin typeface="Consolas" panose="020B0609020204030204" pitchFamily="49" charset="0"/>
-              </a:rPr>
-              <a:t>'</a:t>
-            </a:r>
-            <a:r>
-              <a:rPr lang="en-US" sz="2400" dirty="0">
-                <a:solidFill>
-                  <a:srgbClr val="FF0000"/>
-                </a:solidFill>
-                <a:latin typeface="Consolas" panose="020B0609020204030204" pitchFamily="49" charset="0"/>
-              </a:rPr>
-              <a:t>\r</a:t>
-            </a:r>
-            <a:r>
-              <a:rPr lang="en-US" sz="2400" dirty="0">
-                <a:solidFill>
-                  <a:srgbClr val="A31515"/>
-                </a:solidFill>
-                <a:latin typeface="Consolas" panose="020B0609020204030204" pitchFamily="49" charset="0"/>
-              </a:rPr>
-              <a:t>'</a:t>
-            </a:r>
-            <a:r>
-              <a:rPr lang="en-US" sz="2400" dirty="0">
-                <a:solidFill>
-                  <a:srgbClr val="222222"/>
-                </a:solidFill>
-                <a:latin typeface="Consolas" panose="020B0609020204030204" pitchFamily="49" charset="0"/>
-              </a:rPr>
-              <a:t>,</a:t>
-            </a:r>
-            <a:r>
-              <a:rPr lang="en-US" sz="2400" dirty="0">
-                <a:solidFill>
-                  <a:srgbClr val="000000"/>
-                </a:solidFill>
-                <a:latin typeface="Consolas" panose="020B0609020204030204" pitchFamily="49" charset="0"/>
-              </a:rPr>
-              <a:t> </a:t>
-            </a:r>
-            <a:r>
-              <a:rPr lang="en-US" sz="2400" dirty="0">
-                <a:solidFill>
-                  <a:srgbClr val="A31515"/>
-                </a:solidFill>
-                <a:latin typeface="Consolas" panose="020B0609020204030204" pitchFamily="49" charset="0"/>
-              </a:rPr>
-              <a:t>'</a:t>
-            </a:r>
-            <a:r>
-              <a:rPr lang="en-US" sz="2400" dirty="0">
-                <a:solidFill>
-                  <a:srgbClr val="FF0000"/>
-                </a:solidFill>
-                <a:latin typeface="Consolas" panose="020B0609020204030204" pitchFamily="49" charset="0"/>
-              </a:rPr>
-              <a:t>\t</a:t>
-            </a:r>
-            <a:r>
-              <a:rPr lang="en-US" sz="2400" dirty="0">
-                <a:solidFill>
-                  <a:srgbClr val="A31515"/>
-                </a:solidFill>
-                <a:latin typeface="Consolas" panose="020B0609020204030204" pitchFamily="49" charset="0"/>
-              </a:rPr>
-              <a:t>'</a:t>
-            </a:r>
-            <a:r>
-              <a:rPr lang="en-US" sz="2400" dirty="0">
-                <a:solidFill>
-                  <a:srgbClr val="000000"/>
-                </a:solidFill>
-                <a:latin typeface="Consolas" panose="020B0609020204030204" pitchFamily="49" charset="0"/>
-              </a:rPr>
-              <a:t> </a:t>
-            </a:r>
-            <a:r>
-              <a:rPr lang="en-US" sz="2400" dirty="0">
-                <a:solidFill>
-                  <a:srgbClr val="222222"/>
-                </a:solidFill>
-                <a:latin typeface="Consolas" panose="020B0609020204030204" pitchFamily="49" charset="0"/>
-              </a:rPr>
-              <a:t>},</a:t>
-            </a:r>
-            <a:r>
-              <a:rPr lang="en-US" sz="2400" dirty="0">
-                <a:solidFill>
-                  <a:srgbClr val="000000"/>
-                </a:solidFill>
-                <a:latin typeface="Consolas" panose="020B0609020204030204" pitchFamily="49" charset="0"/>
-              </a:rPr>
-              <a:t> </a:t>
-            </a:r>
-            <a:r>
-              <a:rPr lang="en-US" sz="2400" dirty="0" smtClean="0">
-                <a:solidFill>
-                  <a:srgbClr val="000000"/>
-                </a:solidFill>
-                <a:latin typeface="Consolas" panose="020B0609020204030204" pitchFamily="49" charset="0"/>
-              </a:rPr>
-              <a:t>												 </a:t>
-            </a:r>
-            <a:r>
-              <a:rPr lang="en-US" sz="2400" dirty="0" err="1" smtClean="0">
-                <a:solidFill>
-                  <a:srgbClr val="001080"/>
-                </a:solidFill>
-                <a:latin typeface="Consolas" panose="020B0609020204030204" pitchFamily="49" charset="0"/>
-              </a:rPr>
-              <a:t>StringSplitOptions</a:t>
-            </a:r>
-            <a:r>
-              <a:rPr lang="en-US" sz="2400" dirty="0" err="1" smtClean="0">
-                <a:solidFill>
-                  <a:srgbClr val="000000"/>
-                </a:solidFill>
-                <a:latin typeface="Consolas" panose="020B0609020204030204" pitchFamily="49" charset="0"/>
-              </a:rPr>
-              <a:t>.</a:t>
-            </a:r>
-            <a:r>
-              <a:rPr lang="en-US" sz="2400" dirty="0" err="1" smtClean="0">
-                <a:solidFill>
-                  <a:srgbClr val="001080"/>
-                </a:solidFill>
-                <a:latin typeface="Consolas" panose="020B0609020204030204" pitchFamily="49" charset="0"/>
-              </a:rPr>
-              <a:t>RemoveEmptyEntries</a:t>
-            </a:r>
-            <a:r>
-              <a:rPr lang="en-US" sz="2400" dirty="0">
-                <a:solidFill>
-                  <a:srgbClr val="222222"/>
-                </a:solidFill>
-                <a:latin typeface="Consolas" panose="020B0609020204030204" pitchFamily="49" charset="0"/>
-              </a:rPr>
-              <a:t>);</a:t>
+              <a:t>;</a:t>
             </a:r>
             <a:endParaRPr lang="en-US" sz="2400" dirty="0">
               <a:solidFill>
@@ -23845,11 +23972,38 @@
             <a:r>
               <a:rPr lang="en-US" sz="2400" dirty="0" err="1">
                 <a:solidFill>
+                  <a:srgbClr val="001080"/>
+                </a:solidFill>
+                <a:latin typeface="Consolas" panose="020B0609020204030204" pitchFamily="49" charset="0"/>
+              </a:rPr>
+              <a:t>HashSet</a:t>
+            </a:r>
+            <a:r>
+              <a:rPr lang="en-US" sz="2400" dirty="0">
+                <a:solidFill>
+                  <a:srgbClr val="222222"/>
+                </a:solidFill>
+                <a:latin typeface="Consolas" panose="020B0609020204030204" pitchFamily="49" charset="0"/>
+              </a:rPr>
+              <a:t>&lt;</a:t>
+            </a:r>
+            <a:r>
+              <a:rPr lang="en-US" sz="2400" dirty="0">
+                <a:solidFill>
                   <a:srgbClr val="0000FF"/>
                 </a:solidFill>
                 <a:latin typeface="Consolas" panose="020B0609020204030204" pitchFamily="49" charset="0"/>
               </a:rPr>
-              <a:t>int</a:t>
+              <a:t>string</a:t>
+            </a:r>
+            <a:r>
+              <a:rPr lang="en-US" sz="2400" dirty="0">
+                <a:solidFill>
+                  <a:srgbClr val="222222"/>
+                </a:solidFill>
+                <a:latin typeface="Consolas" panose="020B0609020204030204" pitchFamily="49" charset="0"/>
+              </a:rPr>
+              <a:t>&gt;</a:t>
             </a:r>
             <a:r>
               <a:rPr lang="en-US" sz="2400" dirty="0">
@@ -23867,7 +24021,7 @@
                 </a:solidFill>
                 <a:latin typeface="Consolas" panose="020B0609020204030204" pitchFamily="49" charset="0"/>
               </a:rPr>
-              <a:t>lineCount</a:t>
+              <a:t>uniqueWords</a:t>
             </a:r>
             <a:r>
               <a:rPr lang="en-US" sz="2400" dirty="0">
@@ -23879,237 +24033,77 @@
               <a:t> = </a:t>
             </a:r>
             <a:r>
+              <a:rPr lang="en-US" sz="2400" dirty="0">
+                <a:solidFill>
+                  <a:srgbClr val="0000FF"/>
+                </a:solidFill>
+                <a:latin typeface="Consolas" panose="020B0609020204030204" pitchFamily="49" charset="0"/>
+              </a:rPr>
+              <a:t>new</a:t>
+            </a:r>
+            <a:r>
+              <a:rPr lang="en-US" sz="2400" dirty="0">
+                <a:solidFill>
+                  <a:srgbClr val="000000"/>
+                </a:solidFill>
+                <a:latin typeface="Consolas" panose="020B0609020204030204" pitchFamily="49" charset="0"/>
+              </a:rPr>
+              <a:t> </a:t>
+            </a:r>
+            <a:r>
               <a:rPr lang="en-US" sz="2400" dirty="0" err="1">
                 <a:solidFill>
                   <a:srgbClr val="001080"/>
                 </a:solidFill>
                 <a:latin typeface="Consolas" panose="020B0609020204030204" pitchFamily="49" charset="0"/>
               </a:rPr>
-              <a:t>File</a:t>
-            </a:r>
-            <a:r>
-              <a:rPr lang="en-US" sz="2400" dirty="0" err="1">
-                <a:solidFill>
-                  <a:srgbClr val="000000"/>
-                </a:solidFill>
-                <a:latin typeface="Consolas" panose="020B0609020204030204" pitchFamily="49" charset="0"/>
-              </a:rPr>
-              <a:t>.</a:t>
-            </a:r>
-            <a:r>
-              <a:rPr lang="en-US" sz="2400" dirty="0" err="1">
+              <a:t>HashSet</a:t>
+            </a:r>
+            <a:r>
+              <a:rPr lang="en-US" sz="2400" dirty="0">
+                <a:solidFill>
+                  <a:srgbClr val="222222"/>
+                </a:solidFill>
+                <a:latin typeface="Consolas" panose="020B0609020204030204" pitchFamily="49" charset="0"/>
+              </a:rPr>
+              <a:t>&lt;</a:t>
+            </a:r>
+            <a:r>
+              <a:rPr lang="en-US" sz="2400" dirty="0">
+                <a:solidFill>
+                  <a:srgbClr val="0000FF"/>
+                </a:solidFill>
+                <a:latin typeface="Consolas" panose="020B0609020204030204" pitchFamily="49" charset="0"/>
+              </a:rPr>
+              <a:t>string</a:t>
+            </a:r>
+            <a:r>
+              <a:rPr lang="en-US" sz="2400" dirty="0">
+                <a:solidFill>
+                  <a:srgbClr val="222222"/>
+                </a:solidFill>
+                <a:latin typeface="Consolas" panose="020B0609020204030204" pitchFamily="49" charset="0"/>
+              </a:rPr>
+              <a:t>&gt;(</a:t>
+            </a:r>
+            <a:r>
+              <a:rPr lang="en-US" sz="2400" dirty="0">
                 <a:solidFill>
                   <a:srgbClr val="001080"/>
                 </a:solidFill>
                 <a:latin typeface="Consolas" panose="020B0609020204030204" pitchFamily="49" charset="0"/>
               </a:rPr>
-              <a:t>ReadAllLines</a:t>
-            </a:r>
-            <a:r>
-              <a:rPr lang="en-US" sz="2400" dirty="0">
+              <a:t>words</a:t>
+            </a:r>
+            <a:r>
+              <a:rPr lang="en-US" sz="2400" dirty="0" smtClean="0">
                 <a:solidFill>
                   <a:srgbClr val="222222"/>
                 </a:solidFill>
                 <a:latin typeface="Consolas" panose="020B0609020204030204" pitchFamily="49" charset="0"/>
               </a:rPr>
-              <a:t>(</a:t>
-            </a:r>
-            <a:r>
-              <a:rPr lang="en-US" sz="2400" dirty="0" err="1">
-                <a:solidFill>
-                  <a:srgbClr val="001080"/>
-                </a:solidFill>
-                <a:latin typeface="Consolas" panose="020B0609020204030204" pitchFamily="49" charset="0"/>
-              </a:rPr>
-              <a:t>filePath</a:t>
-            </a:r>
-            <a:r>
-              <a:rPr lang="en-US" sz="2400" dirty="0">
-                <a:solidFill>
-                  <a:srgbClr val="222222"/>
-                </a:solidFill>
-                <a:latin typeface="Consolas" panose="020B0609020204030204" pitchFamily="49" charset="0"/>
-              </a:rPr>
-              <a:t>)</a:t>
-            </a:r>
-            <a:r>
-              <a:rPr lang="en-US" sz="2400" dirty="0">
-                <a:solidFill>
-                  <a:srgbClr val="000000"/>
-                </a:solidFill>
-                <a:latin typeface="Consolas" panose="020B0609020204030204" pitchFamily="49" charset="0"/>
-              </a:rPr>
-              <a:t>.</a:t>
-            </a:r>
-            <a:r>
-              <a:rPr lang="en-US" sz="2400" dirty="0">
-                <a:solidFill>
-                  <a:srgbClr val="001080"/>
-                </a:solidFill>
-                <a:latin typeface="Consolas" panose="020B0609020204030204" pitchFamily="49" charset="0"/>
-              </a:rPr>
-              <a:t>Length</a:t>
-            </a:r>
-            <a:r>
-              <a:rPr lang="en-US" sz="2400" dirty="0">
-                <a:solidFill>
-                  <a:srgbClr val="222222"/>
-                </a:solidFill>
-                <a:latin typeface="Consolas" panose="020B0609020204030204" pitchFamily="49" charset="0"/>
-              </a:rPr>
-              <a:t>;</a:t>
-            </a:r>
-            <a:endParaRPr lang="en-US" sz="2400" dirty="0">
-              <a:solidFill>
-                <a:srgbClr val="000000"/>
-              </a:solidFill>
-              <a:latin typeface="Consolas" panose="020B0609020204030204" pitchFamily="49" charset="0"/>
-            </a:endParaRPr>
-          </a:p>
-          <a:p>
-            <a:r>
-              <a:rPr lang="en-US" sz="2400" dirty="0" err="1">
-                <a:solidFill>
-                  <a:srgbClr val="001080"/>
-                </a:solidFill>
-                <a:latin typeface="Consolas" panose="020B0609020204030204" pitchFamily="49" charset="0"/>
-              </a:rPr>
-              <a:t>HashSet</a:t>
-            </a:r>
-            <a:r>
-              <a:rPr lang="en-US" sz="2400" dirty="0">
-                <a:solidFill>
-                  <a:srgbClr val="222222"/>
-                </a:solidFill>
-                <a:latin typeface="Consolas" panose="020B0609020204030204" pitchFamily="49" charset="0"/>
-              </a:rPr>
-              <a:t>&lt;</a:t>
-            </a:r>
-            <a:r>
-              <a:rPr lang="en-US" sz="2400" dirty="0">
-                <a:solidFill>
-                  <a:srgbClr val="0000FF"/>
-                </a:solidFill>
-                <a:latin typeface="Consolas" panose="020B0609020204030204" pitchFamily="49" charset="0"/>
-              </a:rPr>
-              <a:t>string</a:t>
-            </a:r>
-            <a:r>
-              <a:rPr lang="en-US" sz="2400" dirty="0">
-                <a:solidFill>
-                  <a:srgbClr val="222222"/>
-                </a:solidFill>
-                <a:latin typeface="Consolas" panose="020B0609020204030204" pitchFamily="49" charset="0"/>
-              </a:rPr>
-              <a:t>&gt;</a:t>
-            </a:r>
-            <a:r>
-              <a:rPr lang="en-US" sz="2400" dirty="0">
-                <a:solidFill>
-                  <a:srgbClr val="000000"/>
-                </a:solidFill>
-                <a:latin typeface="Consolas" panose="020B0609020204030204" pitchFamily="49" charset="0"/>
-              </a:rPr>
-              <a:t> </a:t>
-            </a:r>
-            <a:r>
-              <a:rPr lang="en-US" sz="2400" dirty="0" err="1">
-                <a:solidFill>
-                  <a:srgbClr val="001080"/>
-                </a:solidFill>
-                <a:latin typeface="Consolas" panose="020B0609020204030204" pitchFamily="49" charset="0"/>
-              </a:rPr>
-              <a:t>uniqueWords</a:t>
-            </a:r>
-            <a:r>
-              <a:rPr lang="en-US" sz="2400" dirty="0">
-                <a:solidFill>
-                  <a:srgbClr val="000000"/>
-                </a:solidFill>
-                <a:latin typeface="Consolas" panose="020B0609020204030204" pitchFamily="49" charset="0"/>
-              </a:rPr>
-              <a:t> = </a:t>
-            </a:r>
-            <a:r>
-              <a:rPr lang="en-US" sz="2400" dirty="0">
-                <a:solidFill>
-                  <a:srgbClr val="0000FF"/>
-                </a:solidFill>
-                <a:latin typeface="Consolas" panose="020B0609020204030204" pitchFamily="49" charset="0"/>
-              </a:rPr>
-              <a:t>new</a:t>
-            </a:r>
-            <a:r>
-              <a:rPr lang="en-US" sz="2400" dirty="0">
-                <a:solidFill>
-                  <a:srgbClr val="000000"/>
-                </a:solidFill>
-                <a:latin typeface="Consolas" panose="020B0609020204030204" pitchFamily="49" charset="0"/>
-              </a:rPr>
-              <a:t> </a:t>
-            </a:r>
-            <a:r>
-              <a:rPr lang="en-US" sz="2400" dirty="0" err="1">
-                <a:solidFill>
-                  <a:srgbClr val="001080"/>
-                </a:solidFill>
-                <a:latin typeface="Consolas" panose="020B0609020204030204" pitchFamily="49" charset="0"/>
-              </a:rPr>
-              <a:t>HashSet</a:t>
-            </a:r>
-            <a:r>
-              <a:rPr lang="en-US" sz="2400" dirty="0">
-                <a:solidFill>
-                  <a:srgbClr val="222222"/>
-                </a:solidFill>
-                <a:latin typeface="Consolas" panose="020B0609020204030204" pitchFamily="49" charset="0"/>
-              </a:rPr>
-              <a:t>&lt;</a:t>
-            </a:r>
-            <a:r>
-              <a:rPr lang="en-US" sz="2400" dirty="0">
-                <a:solidFill>
-                  <a:srgbClr val="0000FF"/>
-                </a:solidFill>
-                <a:latin typeface="Consolas" panose="020B0609020204030204" pitchFamily="49" charset="0"/>
-              </a:rPr>
-              <a:t>string</a:t>
-            </a:r>
-            <a:r>
-              <a:rPr lang="en-US" sz="2400" dirty="0">
-                <a:solidFill>
-                  <a:srgbClr val="222222"/>
-                </a:solidFill>
-                <a:latin typeface="Consolas" panose="020B0609020204030204" pitchFamily="49" charset="0"/>
-              </a:rPr>
-              <a:t>&gt;(</a:t>
-            </a:r>
-            <a:r>
-              <a:rPr lang="en-US" sz="2400" dirty="0">
-                <a:solidFill>
-                  <a:srgbClr val="001080"/>
-                </a:solidFill>
-                <a:latin typeface="Consolas" panose="020B0609020204030204" pitchFamily="49" charset="0"/>
-              </a:rPr>
-              <a:t>words</a:t>
-            </a:r>
-            <a:r>
-              <a:rPr lang="en-US" sz="2400" dirty="0">
-                <a:solidFill>
-                  <a:srgbClr val="222222"/>
-                </a:solidFill>
-                <a:latin typeface="Consolas" panose="020B0609020204030204" pitchFamily="49" charset="0"/>
-              </a:rPr>
               <a:t>);</a:t>
             </a:r>
-            <a:endParaRPr lang="en-US" sz="2400" dirty="0">
-              <a:solidFill>
-                <a:srgbClr val="000000"/>
-              </a:solidFill>
-              <a:latin typeface="Consolas" panose="020B0609020204030204" pitchFamily="49" charset="0"/>
-            </a:endParaRPr>
-          </a:p>
-          <a:p>
             <a:r>
               <a:rPr lang="en-US" sz="2400" dirty="0">
                 <a:solidFill>
